--- a/lectures/save/05-Software-Theory.pptx
+++ b/lectures/save/05-Software-Theory.pptx
@@ -5,7 +5,7 @@
     <p:sldMasterId id="2147483648" r:id="rId1"/>
   </p:sldMasterIdLst>
   <p:notesMasterIdLst>
-    <p:notesMasterId r:id="rId21"/>
+    <p:notesMasterId r:id="rId11"/>
   </p:notesMasterIdLst>
   <p:sldIdLst>
     <p:sldId id="256" r:id="rId2"/>
@@ -17,16 +17,6 @@
     <p:sldId id="337" r:id="rId8"/>
     <p:sldId id="332" r:id="rId9"/>
     <p:sldId id="327" r:id="rId10"/>
-    <p:sldId id="339" r:id="rId11"/>
-    <p:sldId id="338" r:id="rId12"/>
-    <p:sldId id="340" r:id="rId13"/>
-    <p:sldId id="343" r:id="rId14"/>
-    <p:sldId id="344" r:id="rId15"/>
-    <p:sldId id="342" r:id="rId16"/>
-    <p:sldId id="345" r:id="rId17"/>
-    <p:sldId id="341" r:id="rId18"/>
-    <p:sldId id="346" r:id="rId19"/>
-    <p:sldId id="347" r:id="rId20"/>
   </p:sldIdLst>
   <p:sldSz cx="12192000" cy="6858000"/>
   <p:notesSz cx="6858000" cy="9144000"/>
@@ -215,7 +205,7 @@
           <a:p>
             <a:fld id="{1C74C8C0-0C1E-D447-A6DA-5BF9E732D1EF}" type="datetimeFigureOut">
               <a:rPr lang="en-US" smtClean="0"/>
-              <a:t>11/19/25</a:t>
+              <a:t>11/29/25</a:t>
             </a:fld>
             <a:endParaRPr lang="en-US"/>
           </a:p>
@@ -713,7 +703,7 @@
           <a:p>
             <a:fld id="{D5D8E255-8371-B349-B2F5-F8C6C9FF431B}" type="datetimeFigureOut">
               <a:rPr lang="en-US" smtClean="0"/>
-              <a:t>11/19/25</a:t>
+              <a:t>11/29/25</a:t>
             </a:fld>
             <a:endParaRPr lang="en-US"/>
           </a:p>
@@ -911,7 +901,7 @@
           <a:p>
             <a:fld id="{D5D8E255-8371-B349-B2F5-F8C6C9FF431B}" type="datetimeFigureOut">
               <a:rPr lang="en-US" smtClean="0"/>
-              <a:t>11/19/25</a:t>
+              <a:t>11/29/25</a:t>
             </a:fld>
             <a:endParaRPr lang="en-US"/>
           </a:p>
@@ -1119,7 +1109,7 @@
           <a:p>
             <a:fld id="{D5D8E255-8371-B349-B2F5-F8C6C9FF431B}" type="datetimeFigureOut">
               <a:rPr lang="en-US" smtClean="0"/>
-              <a:t>11/19/25</a:t>
+              <a:t>11/29/25</a:t>
             </a:fld>
             <a:endParaRPr lang="en-US"/>
           </a:p>
@@ -1317,7 +1307,7 @@
           <a:p>
             <a:fld id="{D5D8E255-8371-B349-B2F5-F8C6C9FF431B}" type="datetimeFigureOut">
               <a:rPr lang="en-US" smtClean="0"/>
-              <a:t>11/19/25</a:t>
+              <a:t>11/29/25</a:t>
             </a:fld>
             <a:endParaRPr lang="en-US"/>
           </a:p>
@@ -1592,7 +1582,7 @@
           <a:p>
             <a:fld id="{D5D8E255-8371-B349-B2F5-F8C6C9FF431B}" type="datetimeFigureOut">
               <a:rPr lang="en-US" smtClean="0"/>
-              <a:t>11/19/25</a:t>
+              <a:t>11/29/25</a:t>
             </a:fld>
             <a:endParaRPr lang="en-US"/>
           </a:p>
@@ -1857,7 +1847,7 @@
           <a:p>
             <a:fld id="{D5D8E255-8371-B349-B2F5-F8C6C9FF431B}" type="datetimeFigureOut">
               <a:rPr lang="en-US" smtClean="0"/>
-              <a:t>11/19/25</a:t>
+              <a:t>11/29/25</a:t>
             </a:fld>
             <a:endParaRPr lang="en-US"/>
           </a:p>
@@ -2269,7 +2259,7 @@
           <a:p>
             <a:fld id="{D5D8E255-8371-B349-B2F5-F8C6C9FF431B}" type="datetimeFigureOut">
               <a:rPr lang="en-US" smtClean="0"/>
-              <a:t>11/19/25</a:t>
+              <a:t>11/29/25</a:t>
             </a:fld>
             <a:endParaRPr lang="en-US"/>
           </a:p>
@@ -2410,7 +2400,7 @@
           <a:p>
             <a:fld id="{D5D8E255-8371-B349-B2F5-F8C6C9FF431B}" type="datetimeFigureOut">
               <a:rPr lang="en-US" smtClean="0"/>
-              <a:t>11/19/25</a:t>
+              <a:t>11/29/25</a:t>
             </a:fld>
             <a:endParaRPr lang="en-US"/>
           </a:p>
@@ -2523,7 +2513,7 @@
           <a:p>
             <a:fld id="{D5D8E255-8371-B349-B2F5-F8C6C9FF431B}" type="datetimeFigureOut">
               <a:rPr lang="en-US" smtClean="0"/>
-              <a:t>11/19/25</a:t>
+              <a:t>11/29/25</a:t>
             </a:fld>
             <a:endParaRPr lang="en-US"/>
           </a:p>
@@ -2834,7 +2824,7 @@
           <a:p>
             <a:fld id="{D5D8E255-8371-B349-B2F5-F8C6C9FF431B}" type="datetimeFigureOut">
               <a:rPr lang="en-US" smtClean="0"/>
-              <a:t>11/19/25</a:t>
+              <a:t>11/29/25</a:t>
             </a:fld>
             <a:endParaRPr lang="en-US"/>
           </a:p>
@@ -3122,7 +3112,7 @@
           <a:p>
             <a:fld id="{D5D8E255-8371-B349-B2F5-F8C6C9FF431B}" type="datetimeFigureOut">
               <a:rPr lang="en-US" smtClean="0"/>
-              <a:t>11/19/25</a:t>
+              <a:t>11/29/25</a:t>
             </a:fld>
             <a:endParaRPr lang="en-US"/>
           </a:p>
@@ -3363,7 +3353,7 @@
           <a:p>
             <a:fld id="{D5D8E255-8371-B349-B2F5-F8C6C9FF431B}" type="datetimeFigureOut">
               <a:rPr lang="en-US" smtClean="0"/>
-              <a:t>11/19/25</a:t>
+              <a:t>11/29/25</a:t>
             </a:fld>
             <a:endParaRPr lang="en-US"/>
           </a:p>
@@ -3857,999 +3847,6 @@
     <p:extLst>
       <p:ext uri="{BB962C8B-B14F-4D97-AF65-F5344CB8AC3E}">
         <p14:creationId xmlns:p14="http://schemas.microsoft.com/office/powerpoint/2010/main" val="1297149572"/>
-      </p:ext>
-    </p:extLst>
-  </p:cSld>
-  <p:clrMapOvr>
-    <a:masterClrMapping/>
-  </p:clrMapOvr>
-</p:sld>
-</file>
-
-<file path=ppt/slides/slide10.xml><?xml version="1.0" encoding="utf-8"?>
-<p:sld xmlns:a="http://schemas.openxmlformats.org/drawingml/2006/main" xmlns:r="http://schemas.openxmlformats.org/officeDocument/2006/relationships" xmlns:p="http://schemas.openxmlformats.org/presentationml/2006/main">
-  <p:cSld>
-    <p:spTree>
-      <p:nvGrpSpPr>
-        <p:cNvPr id="1" name=""/>
-        <p:cNvGrpSpPr/>
-        <p:nvPr/>
-      </p:nvGrpSpPr>
-      <p:grpSpPr>
-        <a:xfrm>
-          <a:off x="0" y="0"/>
-          <a:ext cx="0" cy="0"/>
-          <a:chOff x="0" y="0"/>
-          <a:chExt cx="0" cy="0"/>
-        </a:xfrm>
-      </p:grpSpPr>
-      <p:sp>
-        <p:nvSpPr>
-          <p:cNvPr id="2" name="Title 1">
-            <a:extLst>
-              <a:ext uri="{FF2B5EF4-FFF2-40B4-BE49-F238E27FC236}">
-                <a16:creationId xmlns:a16="http://schemas.microsoft.com/office/drawing/2014/main" id="{1A01B874-613E-0498-3EF1-5AFA7CD40D9A}"/>
-              </a:ext>
-            </a:extLst>
-          </p:cNvPr>
-          <p:cNvSpPr>
-            <a:spLocks noGrp="1"/>
-          </p:cNvSpPr>
-          <p:nvPr>
-            <p:ph type="title"/>
-          </p:nvPr>
-        </p:nvSpPr>
-        <p:spPr/>
-        <p:txBody>
-          <a:bodyPr/>
-          <a:lstStyle/>
-          <a:p>
-            <a:r>
-              <a:rPr lang="en-US" dirty="0"/>
-              <a:t>Programming Software</a:t>
-            </a:r>
-          </a:p>
-        </p:txBody>
-      </p:sp>
-      <p:sp>
-        <p:nvSpPr>
-          <p:cNvPr id="3" name="Content Placeholder 2">
-            <a:extLst>
-              <a:ext uri="{FF2B5EF4-FFF2-40B4-BE49-F238E27FC236}">
-                <a16:creationId xmlns:a16="http://schemas.microsoft.com/office/drawing/2014/main" id="{D82795BD-CB81-05D6-9707-1532E3094DAA}"/>
-              </a:ext>
-            </a:extLst>
-          </p:cNvPr>
-          <p:cNvSpPr>
-            <a:spLocks noGrp="1"/>
-          </p:cNvSpPr>
-          <p:nvPr>
-            <p:ph idx="1"/>
-          </p:nvPr>
-        </p:nvSpPr>
-        <p:spPr/>
-        <p:txBody>
-          <a:bodyPr/>
-          <a:lstStyle/>
-          <a:p>
-            <a:r>
-              <a:rPr lang="en-US" dirty="0"/>
-              <a:t>Compiler</a:t>
-            </a:r>
-          </a:p>
-          <a:p>
-            <a:r>
-              <a:rPr lang="en-US" dirty="0"/>
-              <a:t>Interpreter</a:t>
-            </a:r>
-          </a:p>
-          <a:p>
-            <a:r>
-              <a:rPr lang="en-US" dirty="0"/>
-              <a:t>Emulator</a:t>
-            </a:r>
-          </a:p>
-          <a:p>
-            <a:r>
-              <a:rPr lang="en-US" dirty="0"/>
-              <a:t>Virtualization</a:t>
-            </a:r>
-          </a:p>
-        </p:txBody>
-      </p:sp>
-    </p:spTree>
-    <p:extLst>
-      <p:ext uri="{BB962C8B-B14F-4D97-AF65-F5344CB8AC3E}">
-        <p14:creationId xmlns:p14="http://schemas.microsoft.com/office/powerpoint/2010/main" val="3130494079"/>
-      </p:ext>
-    </p:extLst>
-  </p:cSld>
-  <p:clrMapOvr>
-    <a:masterClrMapping/>
-  </p:clrMapOvr>
-</p:sld>
-</file>
-
-<file path=ppt/slides/slide11.xml><?xml version="1.0" encoding="utf-8"?>
-<p:sld xmlns:a="http://schemas.openxmlformats.org/drawingml/2006/main" xmlns:r="http://schemas.openxmlformats.org/officeDocument/2006/relationships" xmlns:p="http://schemas.openxmlformats.org/presentationml/2006/main">
-  <p:cSld>
-    <p:spTree>
-      <p:nvGrpSpPr>
-        <p:cNvPr id="1" name=""/>
-        <p:cNvGrpSpPr/>
-        <p:nvPr/>
-      </p:nvGrpSpPr>
-      <p:grpSpPr>
-        <a:xfrm>
-          <a:off x="0" y="0"/>
-          <a:ext cx="0" cy="0"/>
-          <a:chOff x="0" y="0"/>
-          <a:chExt cx="0" cy="0"/>
-        </a:xfrm>
-      </p:grpSpPr>
-      <p:sp>
-        <p:nvSpPr>
-          <p:cNvPr id="2" name="Title 1">
-            <a:extLst>
-              <a:ext uri="{FF2B5EF4-FFF2-40B4-BE49-F238E27FC236}">
-                <a16:creationId xmlns:a16="http://schemas.microsoft.com/office/drawing/2014/main" id="{E7C1CF79-720B-078A-D0BC-383C99C547F6}"/>
-              </a:ext>
-            </a:extLst>
-          </p:cNvPr>
-          <p:cNvSpPr>
-            <a:spLocks noGrp="1"/>
-          </p:cNvSpPr>
-          <p:nvPr>
-            <p:ph type="title"/>
-          </p:nvPr>
-        </p:nvSpPr>
-        <p:spPr/>
-        <p:txBody>
-          <a:bodyPr/>
-          <a:lstStyle/>
-          <a:p>
-            <a:r>
-              <a:rPr lang="en-US" dirty="0"/>
-              <a:t>Compiler Phases</a:t>
-            </a:r>
-          </a:p>
-        </p:txBody>
-      </p:sp>
-      <p:sp>
-        <p:nvSpPr>
-          <p:cNvPr id="3" name="Content Placeholder 2">
-            <a:extLst>
-              <a:ext uri="{FF2B5EF4-FFF2-40B4-BE49-F238E27FC236}">
-                <a16:creationId xmlns:a16="http://schemas.microsoft.com/office/drawing/2014/main" id="{18E3A621-8AF2-A13F-2EF9-98124D5DEA7C}"/>
-              </a:ext>
-            </a:extLst>
-          </p:cNvPr>
-          <p:cNvSpPr>
-            <a:spLocks noGrp="1"/>
-          </p:cNvSpPr>
-          <p:nvPr>
-            <p:ph idx="1"/>
-          </p:nvPr>
-        </p:nvSpPr>
-        <p:spPr/>
-        <p:txBody>
-          <a:bodyPr/>
-          <a:lstStyle/>
-          <a:p>
-            <a:endParaRPr lang="en-US"/>
-          </a:p>
-        </p:txBody>
-      </p:sp>
-    </p:spTree>
-    <p:extLst>
-      <p:ext uri="{BB962C8B-B14F-4D97-AF65-F5344CB8AC3E}">
-        <p14:creationId xmlns:p14="http://schemas.microsoft.com/office/powerpoint/2010/main" val="2371237158"/>
-      </p:ext>
-    </p:extLst>
-  </p:cSld>
-  <p:clrMapOvr>
-    <a:masterClrMapping/>
-  </p:clrMapOvr>
-</p:sld>
-</file>
-
-<file path=ppt/slides/slide12.xml><?xml version="1.0" encoding="utf-8"?>
-<p:sld xmlns:a="http://schemas.openxmlformats.org/drawingml/2006/main" xmlns:r="http://schemas.openxmlformats.org/officeDocument/2006/relationships" xmlns:p="http://schemas.openxmlformats.org/presentationml/2006/main">
-  <p:cSld>
-    <p:spTree>
-      <p:nvGrpSpPr>
-        <p:cNvPr id="1" name=""/>
-        <p:cNvGrpSpPr/>
-        <p:nvPr/>
-      </p:nvGrpSpPr>
-      <p:grpSpPr>
-        <a:xfrm>
-          <a:off x="0" y="0"/>
-          <a:ext cx="0" cy="0"/>
-          <a:chOff x="0" y="0"/>
-          <a:chExt cx="0" cy="0"/>
-        </a:xfrm>
-      </p:grpSpPr>
-      <p:sp>
-        <p:nvSpPr>
-          <p:cNvPr id="2" name="Title 1">
-            <a:extLst>
-              <a:ext uri="{FF2B5EF4-FFF2-40B4-BE49-F238E27FC236}">
-                <a16:creationId xmlns:a16="http://schemas.microsoft.com/office/drawing/2014/main" id="{5C70FEA2-0AFF-1BD8-EA7E-B5CB24BC1405}"/>
-              </a:ext>
-            </a:extLst>
-          </p:cNvPr>
-          <p:cNvSpPr>
-            <a:spLocks noGrp="1"/>
-          </p:cNvSpPr>
-          <p:nvPr>
-            <p:ph type="title"/>
-          </p:nvPr>
-        </p:nvSpPr>
-        <p:spPr/>
-        <p:txBody>
-          <a:bodyPr/>
-          <a:lstStyle/>
-          <a:p>
-            <a:r>
-              <a:rPr lang="en-US" dirty="0"/>
-              <a:t>How CC4E works</a:t>
-            </a:r>
-          </a:p>
-        </p:txBody>
-      </p:sp>
-      <p:sp>
-        <p:nvSpPr>
-          <p:cNvPr id="3" name="Content Placeholder 2">
-            <a:extLst>
-              <a:ext uri="{FF2B5EF4-FFF2-40B4-BE49-F238E27FC236}">
-                <a16:creationId xmlns:a16="http://schemas.microsoft.com/office/drawing/2014/main" id="{EF093639-7211-C980-2DF7-BBF13B18D967}"/>
-              </a:ext>
-            </a:extLst>
-          </p:cNvPr>
-          <p:cNvSpPr>
-            <a:spLocks noGrp="1"/>
-          </p:cNvSpPr>
-          <p:nvPr>
-            <p:ph idx="1"/>
-          </p:nvPr>
-        </p:nvSpPr>
-        <p:spPr/>
-        <p:txBody>
-          <a:bodyPr/>
-          <a:lstStyle/>
-          <a:p>
-            <a:r>
-              <a:rPr lang="en-US" dirty="0"/>
-              <a:t>Compiler (in the server) compiles C code to WASM</a:t>
-            </a:r>
-          </a:p>
-          <a:p>
-            <a:r>
-              <a:rPr lang="en-US" dirty="0"/>
-              <a:t>HTML page downloads WASM </a:t>
-            </a:r>
-          </a:p>
-          <a:p>
-            <a:r>
-              <a:rPr lang="en-US" dirty="0"/>
-              <a:t>The built in WASM emulator runs it in the browser</a:t>
-            </a:r>
-          </a:p>
-          <a:p>
-            <a:endParaRPr lang="en-US" dirty="0"/>
-          </a:p>
-        </p:txBody>
-      </p:sp>
-    </p:spTree>
-    <p:extLst>
-      <p:ext uri="{BB962C8B-B14F-4D97-AF65-F5344CB8AC3E}">
-        <p14:creationId xmlns:p14="http://schemas.microsoft.com/office/powerpoint/2010/main" val="3862257423"/>
-      </p:ext>
-    </p:extLst>
-  </p:cSld>
-  <p:clrMapOvr>
-    <a:masterClrMapping/>
-  </p:clrMapOvr>
-</p:sld>
-</file>
-
-<file path=ppt/slides/slide13.xml><?xml version="1.0" encoding="utf-8"?>
-<p:sld xmlns:a="http://schemas.openxmlformats.org/drawingml/2006/main" xmlns:r="http://schemas.openxmlformats.org/officeDocument/2006/relationships" xmlns:p="http://schemas.openxmlformats.org/presentationml/2006/main">
-  <p:cSld>
-    <p:spTree>
-      <p:nvGrpSpPr>
-        <p:cNvPr id="1" name=""/>
-        <p:cNvGrpSpPr/>
-        <p:nvPr/>
-      </p:nvGrpSpPr>
-      <p:grpSpPr>
-        <a:xfrm>
-          <a:off x="0" y="0"/>
-          <a:ext cx="0" cy="0"/>
-          <a:chOff x="0" y="0"/>
-          <a:chExt cx="0" cy="0"/>
-        </a:xfrm>
-      </p:grpSpPr>
-      <p:sp>
-        <p:nvSpPr>
-          <p:cNvPr id="2" name="Title 1">
-            <a:extLst>
-              <a:ext uri="{FF2B5EF4-FFF2-40B4-BE49-F238E27FC236}">
-                <a16:creationId xmlns:a16="http://schemas.microsoft.com/office/drawing/2014/main" id="{37FB2521-31E1-83BE-C7F6-0DFD6293ADDA}"/>
-              </a:ext>
-            </a:extLst>
-          </p:cNvPr>
-          <p:cNvSpPr>
-            <a:spLocks noGrp="1"/>
-          </p:cNvSpPr>
-          <p:nvPr>
-            <p:ph type="title"/>
-          </p:nvPr>
-        </p:nvSpPr>
-        <p:spPr/>
-        <p:txBody>
-          <a:bodyPr/>
-          <a:lstStyle/>
-          <a:p>
-            <a:r>
-              <a:rPr lang="en-US" dirty="0"/>
-              <a:t>Python Runtime</a:t>
-            </a:r>
-          </a:p>
-        </p:txBody>
-      </p:sp>
-      <p:sp>
-        <p:nvSpPr>
-          <p:cNvPr id="3" name="Content Placeholder 2">
-            <a:extLst>
-              <a:ext uri="{FF2B5EF4-FFF2-40B4-BE49-F238E27FC236}">
-                <a16:creationId xmlns:a16="http://schemas.microsoft.com/office/drawing/2014/main" id="{B1989BFE-A74E-5D92-84A9-2C2BCCC09EE5}"/>
-              </a:ext>
-            </a:extLst>
-          </p:cNvPr>
-          <p:cNvSpPr>
-            <a:spLocks noGrp="1"/>
-          </p:cNvSpPr>
-          <p:nvPr>
-            <p:ph idx="1"/>
-          </p:nvPr>
-        </p:nvSpPr>
-        <p:spPr/>
-        <p:txBody>
-          <a:bodyPr/>
-          <a:lstStyle/>
-          <a:p>
-            <a:r>
-              <a:rPr lang="en-US" dirty="0"/>
-              <a:t>Python</a:t>
-            </a:r>
-          </a:p>
-          <a:p>
-            <a:r>
-              <a:rPr lang="en-US" dirty="0"/>
-              <a:t>Kind of Hybrid for performance reasons</a:t>
-            </a:r>
-          </a:p>
-          <a:p>
-            <a:r>
-              <a:rPr lang="en-US" dirty="0"/>
-              <a:t>__</a:t>
-            </a:r>
-            <a:r>
-              <a:rPr lang="en-US" dirty="0" err="1"/>
-              <a:t>pycache</a:t>
-            </a:r>
-            <a:r>
-              <a:rPr lang="en-US" dirty="0"/>
-              <a:t>__ ( byte code)</a:t>
-            </a:r>
-          </a:p>
-          <a:p>
-            <a:endParaRPr lang="en-US" dirty="0"/>
-          </a:p>
-        </p:txBody>
-      </p:sp>
-    </p:spTree>
-    <p:extLst>
-      <p:ext uri="{BB962C8B-B14F-4D97-AF65-F5344CB8AC3E}">
-        <p14:creationId xmlns:p14="http://schemas.microsoft.com/office/powerpoint/2010/main" val="3423991403"/>
-      </p:ext>
-    </p:extLst>
-  </p:cSld>
-  <p:clrMapOvr>
-    <a:masterClrMapping/>
-  </p:clrMapOvr>
-</p:sld>
-</file>
-
-<file path=ppt/slides/slide14.xml><?xml version="1.0" encoding="utf-8"?>
-<p:sld xmlns:a="http://schemas.openxmlformats.org/drawingml/2006/main" xmlns:r="http://schemas.openxmlformats.org/officeDocument/2006/relationships" xmlns:p="http://schemas.openxmlformats.org/presentationml/2006/main">
-  <p:cSld>
-    <p:spTree>
-      <p:nvGrpSpPr>
-        <p:cNvPr id="1" name=""/>
-        <p:cNvGrpSpPr/>
-        <p:nvPr/>
-      </p:nvGrpSpPr>
-      <p:grpSpPr>
-        <a:xfrm>
-          <a:off x="0" y="0"/>
-          <a:ext cx="0" cy="0"/>
-          <a:chOff x="0" y="0"/>
-          <a:chExt cx="0" cy="0"/>
-        </a:xfrm>
-      </p:grpSpPr>
-      <p:sp>
-        <p:nvSpPr>
-          <p:cNvPr id="2" name="Title 1">
-            <a:extLst>
-              <a:ext uri="{FF2B5EF4-FFF2-40B4-BE49-F238E27FC236}">
-                <a16:creationId xmlns:a16="http://schemas.microsoft.com/office/drawing/2014/main" id="{ACBF2ED3-4EB8-47D2-07FA-2FF18C34F829}"/>
-              </a:ext>
-            </a:extLst>
-          </p:cNvPr>
-          <p:cNvSpPr>
-            <a:spLocks noGrp="1"/>
-          </p:cNvSpPr>
-          <p:nvPr>
-            <p:ph type="title"/>
-          </p:nvPr>
-        </p:nvSpPr>
-        <p:spPr/>
-        <p:txBody>
-          <a:bodyPr/>
-          <a:lstStyle/>
-          <a:p>
-            <a:r>
-              <a:rPr lang="en-US" dirty="0"/>
-              <a:t>JavaScript Runtime</a:t>
-            </a:r>
-          </a:p>
-        </p:txBody>
-      </p:sp>
-      <p:sp>
-        <p:nvSpPr>
-          <p:cNvPr id="3" name="Content Placeholder 2">
-            <a:extLst>
-              <a:ext uri="{FF2B5EF4-FFF2-40B4-BE49-F238E27FC236}">
-                <a16:creationId xmlns:a16="http://schemas.microsoft.com/office/drawing/2014/main" id="{864C8F1E-3D85-D87D-8F38-6695C15A57DC}"/>
-              </a:ext>
-            </a:extLst>
-          </p:cNvPr>
-          <p:cNvSpPr>
-            <a:spLocks noGrp="1"/>
-          </p:cNvSpPr>
-          <p:nvPr>
-            <p:ph idx="1"/>
-          </p:nvPr>
-        </p:nvSpPr>
-        <p:spPr/>
-        <p:txBody>
-          <a:bodyPr/>
-          <a:lstStyle/>
-          <a:p>
-            <a:endParaRPr lang="en-US"/>
-          </a:p>
-        </p:txBody>
-      </p:sp>
-    </p:spTree>
-    <p:extLst>
-      <p:ext uri="{BB962C8B-B14F-4D97-AF65-F5344CB8AC3E}">
-        <p14:creationId xmlns:p14="http://schemas.microsoft.com/office/powerpoint/2010/main" val="3740524336"/>
-      </p:ext>
-    </p:extLst>
-  </p:cSld>
-  <p:clrMapOvr>
-    <a:masterClrMapping/>
-  </p:clrMapOvr>
-</p:sld>
-</file>
-
-<file path=ppt/slides/slide15.xml><?xml version="1.0" encoding="utf-8"?>
-<p:sld xmlns:a="http://schemas.openxmlformats.org/drawingml/2006/main" xmlns:r="http://schemas.openxmlformats.org/officeDocument/2006/relationships" xmlns:p="http://schemas.openxmlformats.org/presentationml/2006/main">
-  <p:cSld>
-    <p:spTree>
-      <p:nvGrpSpPr>
-        <p:cNvPr id="1" name=""/>
-        <p:cNvGrpSpPr/>
-        <p:nvPr/>
-      </p:nvGrpSpPr>
-      <p:grpSpPr>
-        <a:xfrm>
-          <a:off x="0" y="0"/>
-          <a:ext cx="0" cy="0"/>
-          <a:chOff x="0" y="0"/>
-          <a:chExt cx="0" cy="0"/>
-        </a:xfrm>
-      </p:grpSpPr>
-      <p:sp>
-        <p:nvSpPr>
-          <p:cNvPr id="2" name="Title 1">
-            <a:extLst>
-              <a:ext uri="{FF2B5EF4-FFF2-40B4-BE49-F238E27FC236}">
-                <a16:creationId xmlns:a16="http://schemas.microsoft.com/office/drawing/2014/main" id="{1C06987B-4B31-B630-9D96-F5C6D3A013C0}"/>
-              </a:ext>
-            </a:extLst>
-          </p:cNvPr>
-          <p:cNvSpPr>
-            <a:spLocks noGrp="1"/>
-          </p:cNvSpPr>
-          <p:nvPr>
-            <p:ph type="title"/>
-          </p:nvPr>
-        </p:nvSpPr>
-        <p:spPr/>
-        <p:txBody>
-          <a:bodyPr/>
-          <a:lstStyle/>
-          <a:p>
-            <a:r>
-              <a:rPr lang="en-US" dirty="0"/>
-              <a:t>Java Runtime</a:t>
-            </a:r>
-          </a:p>
-        </p:txBody>
-      </p:sp>
-      <p:sp>
-        <p:nvSpPr>
-          <p:cNvPr id="3" name="Content Placeholder 2">
-            <a:extLst>
-              <a:ext uri="{FF2B5EF4-FFF2-40B4-BE49-F238E27FC236}">
-                <a16:creationId xmlns:a16="http://schemas.microsoft.com/office/drawing/2014/main" id="{A3B30385-FDFB-F703-E7AA-76E71F0C384A}"/>
-              </a:ext>
-            </a:extLst>
-          </p:cNvPr>
-          <p:cNvSpPr>
-            <a:spLocks noGrp="1"/>
-          </p:cNvSpPr>
-          <p:nvPr>
-            <p:ph idx="1"/>
-          </p:nvPr>
-        </p:nvSpPr>
-        <p:spPr/>
-        <p:txBody>
-          <a:bodyPr/>
-          <a:lstStyle/>
-          <a:p>
-            <a:r>
-              <a:rPr lang="en-US" dirty="0"/>
-              <a:t>Traditional compiler to "byte code"</a:t>
-            </a:r>
-          </a:p>
-          <a:p>
-            <a:pPr lvl="1"/>
-            <a:r>
-              <a:rPr lang="en-US" dirty="0" err="1"/>
-              <a:t>javac</a:t>
-            </a:r>
-            <a:r>
-              <a:rPr lang="en-US" dirty="0"/>
-              <a:t> </a:t>
-            </a:r>
-            <a:r>
-              <a:rPr lang="en-US" dirty="0" err="1"/>
-              <a:t>hello.java</a:t>
-            </a:r>
-            <a:r>
-              <a:rPr lang="en-US" dirty="0"/>
-              <a:t> -&gt; </a:t>
-            </a:r>
-            <a:r>
-              <a:rPr lang="en-US" dirty="0" err="1"/>
-              <a:t>hello.class</a:t>
-            </a:r>
-            <a:endParaRPr lang="en-US" dirty="0"/>
-          </a:p>
-          <a:p>
-            <a:r>
-              <a:rPr lang="en-US" dirty="0"/>
-              <a:t>Java virtual machine (JVM) runtime – byte code emulator</a:t>
-            </a:r>
-          </a:p>
-          <a:p>
-            <a:pPr lvl="1"/>
-            <a:r>
-              <a:rPr lang="en-US" dirty="0"/>
-              <a:t>java </a:t>
-            </a:r>
-            <a:r>
-              <a:rPr lang="en-US" dirty="0" err="1"/>
-              <a:t>hello.class</a:t>
-            </a:r>
-            <a:endParaRPr lang="en-US" dirty="0"/>
-          </a:p>
-          <a:p>
-            <a:r>
-              <a:rPr lang="en-US" dirty="0"/>
-              <a:t>Just in time (JIT) compiler (a.k.a. Hotspot compiler)</a:t>
-            </a:r>
-          </a:p>
-          <a:p>
-            <a:r>
-              <a:rPr lang="en-US" dirty="0"/>
-              <a:t>JVM supports multiple languages</a:t>
-            </a:r>
-          </a:p>
-          <a:p>
-            <a:pPr lvl="1"/>
-            <a:r>
-              <a:rPr lang="en-US" dirty="0"/>
-              <a:t>Scala …</a:t>
-            </a:r>
-          </a:p>
-        </p:txBody>
-      </p:sp>
-    </p:spTree>
-    <p:extLst>
-      <p:ext uri="{BB962C8B-B14F-4D97-AF65-F5344CB8AC3E}">
-        <p14:creationId xmlns:p14="http://schemas.microsoft.com/office/powerpoint/2010/main" val="750224463"/>
-      </p:ext>
-    </p:extLst>
-  </p:cSld>
-  <p:clrMapOvr>
-    <a:masterClrMapping/>
-  </p:clrMapOvr>
-</p:sld>
-</file>
-
-<file path=ppt/slides/slide16.xml><?xml version="1.0" encoding="utf-8"?>
-<p:sld xmlns:a="http://schemas.openxmlformats.org/drawingml/2006/main" xmlns:r="http://schemas.openxmlformats.org/officeDocument/2006/relationships" xmlns:p="http://schemas.openxmlformats.org/presentationml/2006/main">
-  <p:cSld>
-    <p:spTree>
-      <p:nvGrpSpPr>
-        <p:cNvPr id="1" name=""/>
-        <p:cNvGrpSpPr/>
-        <p:nvPr/>
-      </p:nvGrpSpPr>
-      <p:grpSpPr>
-        <a:xfrm>
-          <a:off x="0" y="0"/>
-          <a:ext cx="0" cy="0"/>
-          <a:chOff x="0" y="0"/>
-          <a:chExt cx="0" cy="0"/>
-        </a:xfrm>
-      </p:grpSpPr>
-      <p:sp>
-        <p:nvSpPr>
-          <p:cNvPr id="2" name="Title 1">
-            <a:extLst>
-              <a:ext uri="{FF2B5EF4-FFF2-40B4-BE49-F238E27FC236}">
-                <a16:creationId xmlns:a16="http://schemas.microsoft.com/office/drawing/2014/main" id="{0CEF55A7-1A8E-45F1-4550-9F5ED53B8353}"/>
-              </a:ext>
-            </a:extLst>
-          </p:cNvPr>
-          <p:cNvSpPr>
-            <a:spLocks noGrp="1"/>
-          </p:cNvSpPr>
-          <p:nvPr>
-            <p:ph type="title"/>
-          </p:nvPr>
-        </p:nvSpPr>
-        <p:spPr/>
-        <p:txBody>
-          <a:bodyPr/>
-          <a:lstStyle/>
-          <a:p>
-            <a:r>
-              <a:rPr lang="en-US" dirty="0"/>
-              <a:t>PHP runtime</a:t>
-            </a:r>
-          </a:p>
-        </p:txBody>
-      </p:sp>
-      <p:sp>
-        <p:nvSpPr>
-          <p:cNvPr id="3" name="Content Placeholder 2">
-            <a:extLst>
-              <a:ext uri="{FF2B5EF4-FFF2-40B4-BE49-F238E27FC236}">
-                <a16:creationId xmlns:a16="http://schemas.microsoft.com/office/drawing/2014/main" id="{B62C8F53-EAEC-1F4A-BAE6-FFC3EA574A2F}"/>
-              </a:ext>
-            </a:extLst>
-          </p:cNvPr>
-          <p:cNvSpPr>
-            <a:spLocks noGrp="1"/>
-          </p:cNvSpPr>
-          <p:nvPr>
-            <p:ph idx="1"/>
-          </p:nvPr>
-        </p:nvSpPr>
-        <p:spPr/>
-        <p:txBody>
-          <a:bodyPr/>
-          <a:lstStyle/>
-          <a:p>
-            <a:endParaRPr lang="en-US"/>
-          </a:p>
-        </p:txBody>
-      </p:sp>
-    </p:spTree>
-    <p:extLst>
-      <p:ext uri="{BB962C8B-B14F-4D97-AF65-F5344CB8AC3E}">
-        <p14:creationId xmlns:p14="http://schemas.microsoft.com/office/powerpoint/2010/main" val="2943985763"/>
-      </p:ext>
-    </p:extLst>
-  </p:cSld>
-  <p:clrMapOvr>
-    <a:masterClrMapping/>
-  </p:clrMapOvr>
-</p:sld>
-</file>
-
-<file path=ppt/slides/slide17.xml><?xml version="1.0" encoding="utf-8"?>
-<p:sld xmlns:a="http://schemas.openxmlformats.org/drawingml/2006/main" xmlns:r="http://schemas.openxmlformats.org/officeDocument/2006/relationships" xmlns:p="http://schemas.openxmlformats.org/presentationml/2006/main">
-  <p:cSld>
-    <p:spTree>
-      <p:nvGrpSpPr>
-        <p:cNvPr id="1" name=""/>
-        <p:cNvGrpSpPr/>
-        <p:nvPr/>
-      </p:nvGrpSpPr>
-      <p:grpSpPr>
-        <a:xfrm>
-          <a:off x="0" y="0"/>
-          <a:ext cx="0" cy="0"/>
-          <a:chOff x="0" y="0"/>
-          <a:chExt cx="0" cy="0"/>
-        </a:xfrm>
-      </p:grpSpPr>
-      <p:sp>
-        <p:nvSpPr>
-          <p:cNvPr id="2" name="Title 1">
-            <a:extLst>
-              <a:ext uri="{FF2B5EF4-FFF2-40B4-BE49-F238E27FC236}">
-                <a16:creationId xmlns:a16="http://schemas.microsoft.com/office/drawing/2014/main" id="{E40DFDAC-04BA-0A0E-E859-9C13175F635B}"/>
-              </a:ext>
-            </a:extLst>
-          </p:cNvPr>
-          <p:cNvSpPr>
-            <a:spLocks noGrp="1"/>
-          </p:cNvSpPr>
-          <p:nvPr>
-            <p:ph type="title"/>
-          </p:nvPr>
-        </p:nvSpPr>
-        <p:spPr/>
-        <p:txBody>
-          <a:bodyPr/>
-          <a:lstStyle/>
-          <a:p>
-            <a:r>
-              <a:rPr lang="en-US" dirty="0"/>
-              <a:t>Interpreter</a:t>
-            </a:r>
-          </a:p>
-        </p:txBody>
-      </p:sp>
-      <p:sp>
-        <p:nvSpPr>
-          <p:cNvPr id="3" name="Content Placeholder 2">
-            <a:extLst>
-              <a:ext uri="{FF2B5EF4-FFF2-40B4-BE49-F238E27FC236}">
-                <a16:creationId xmlns:a16="http://schemas.microsoft.com/office/drawing/2014/main" id="{AA59729C-3E4E-FAD5-8CB9-7DA498AD43C5}"/>
-              </a:ext>
-            </a:extLst>
-          </p:cNvPr>
-          <p:cNvSpPr>
-            <a:spLocks noGrp="1"/>
-          </p:cNvSpPr>
-          <p:nvPr>
-            <p:ph idx="1"/>
-          </p:nvPr>
-        </p:nvSpPr>
-        <p:spPr/>
-        <p:txBody>
-          <a:bodyPr/>
-          <a:lstStyle/>
-          <a:p>
-            <a:endParaRPr lang="en-US" dirty="0"/>
-          </a:p>
-        </p:txBody>
-      </p:sp>
-    </p:spTree>
-    <p:extLst>
-      <p:ext uri="{BB962C8B-B14F-4D97-AF65-F5344CB8AC3E}">
-        <p14:creationId xmlns:p14="http://schemas.microsoft.com/office/powerpoint/2010/main" val="3183535237"/>
-      </p:ext>
-    </p:extLst>
-  </p:cSld>
-  <p:clrMapOvr>
-    <a:masterClrMapping/>
-  </p:clrMapOvr>
-</p:sld>
-</file>
-
-<file path=ppt/slides/slide18.xml><?xml version="1.0" encoding="utf-8"?>
-<p:sld xmlns:a="http://schemas.openxmlformats.org/drawingml/2006/main" xmlns:r="http://schemas.openxmlformats.org/officeDocument/2006/relationships" xmlns:p="http://schemas.openxmlformats.org/presentationml/2006/main">
-  <p:cSld>
-    <p:spTree>
-      <p:nvGrpSpPr>
-        <p:cNvPr id="1" name=""/>
-        <p:cNvGrpSpPr/>
-        <p:nvPr/>
-      </p:nvGrpSpPr>
-      <p:grpSpPr>
-        <a:xfrm>
-          <a:off x="0" y="0"/>
-          <a:ext cx="0" cy="0"/>
-          <a:chOff x="0" y="0"/>
-          <a:chExt cx="0" cy="0"/>
-        </a:xfrm>
-      </p:grpSpPr>
-      <p:sp>
-        <p:nvSpPr>
-          <p:cNvPr id="4" name="Title 3">
-            <a:extLst>
-              <a:ext uri="{FF2B5EF4-FFF2-40B4-BE49-F238E27FC236}">
-                <a16:creationId xmlns:a16="http://schemas.microsoft.com/office/drawing/2014/main" id="{408E3B30-9842-CD75-D02D-3C0AB6FE0289}"/>
-              </a:ext>
-            </a:extLst>
-          </p:cNvPr>
-          <p:cNvSpPr>
-            <a:spLocks noGrp="1"/>
-          </p:cNvSpPr>
-          <p:nvPr>
-            <p:ph type="title"/>
-          </p:nvPr>
-        </p:nvSpPr>
-        <p:spPr/>
-        <p:txBody>
-          <a:bodyPr/>
-          <a:lstStyle/>
-          <a:p>
-            <a:r>
-              <a:rPr lang="en-US" dirty="0"/>
-              <a:t>Virtualization</a:t>
-            </a:r>
-          </a:p>
-        </p:txBody>
-      </p:sp>
-      <p:sp>
-        <p:nvSpPr>
-          <p:cNvPr id="5" name="Text Placeholder 4">
-            <a:extLst>
-              <a:ext uri="{FF2B5EF4-FFF2-40B4-BE49-F238E27FC236}">
-                <a16:creationId xmlns:a16="http://schemas.microsoft.com/office/drawing/2014/main" id="{96A039B7-1D10-432D-56A4-6E957517FB0F}"/>
-              </a:ext>
-            </a:extLst>
-          </p:cNvPr>
-          <p:cNvSpPr>
-            <a:spLocks noGrp="1"/>
-          </p:cNvSpPr>
-          <p:nvPr>
-            <p:ph type="body" idx="1"/>
-          </p:nvPr>
-        </p:nvSpPr>
-        <p:spPr/>
-        <p:txBody>
-          <a:bodyPr/>
-          <a:lstStyle/>
-          <a:p>
-            <a:endParaRPr lang="en-US"/>
-          </a:p>
-        </p:txBody>
-      </p:sp>
-    </p:spTree>
-    <p:extLst>
-      <p:ext uri="{BB962C8B-B14F-4D97-AF65-F5344CB8AC3E}">
-        <p14:creationId xmlns:p14="http://schemas.microsoft.com/office/powerpoint/2010/main" val="1037398776"/>
-      </p:ext>
-    </p:extLst>
-  </p:cSld>
-  <p:clrMapOvr>
-    <a:masterClrMapping/>
-  </p:clrMapOvr>
-</p:sld>
-</file>
-
-<file path=ppt/slides/slide19.xml><?xml version="1.0" encoding="utf-8"?>
-<p:sld xmlns:a="http://schemas.openxmlformats.org/drawingml/2006/main" xmlns:r="http://schemas.openxmlformats.org/officeDocument/2006/relationships" xmlns:p="http://schemas.openxmlformats.org/presentationml/2006/main">
-  <p:cSld>
-    <p:spTree>
-      <p:nvGrpSpPr>
-        <p:cNvPr id="1" name=""/>
-        <p:cNvGrpSpPr/>
-        <p:nvPr/>
-      </p:nvGrpSpPr>
-      <p:grpSpPr>
-        <a:xfrm>
-          <a:off x="0" y="0"/>
-          <a:ext cx="0" cy="0"/>
-          <a:chOff x="0" y="0"/>
-          <a:chExt cx="0" cy="0"/>
-        </a:xfrm>
-      </p:grpSpPr>
-      <p:sp>
-        <p:nvSpPr>
-          <p:cNvPr id="4" name="Title 3">
-            <a:extLst>
-              <a:ext uri="{FF2B5EF4-FFF2-40B4-BE49-F238E27FC236}">
-                <a16:creationId xmlns:a16="http://schemas.microsoft.com/office/drawing/2014/main" id="{72BCC3BF-B65D-22E0-EE7A-B2B69253C06A}"/>
-              </a:ext>
-            </a:extLst>
-          </p:cNvPr>
-          <p:cNvSpPr>
-            <a:spLocks noGrp="1"/>
-          </p:cNvSpPr>
-          <p:nvPr>
-            <p:ph type="title"/>
-          </p:nvPr>
-        </p:nvSpPr>
-        <p:spPr/>
-        <p:txBody>
-          <a:bodyPr/>
-          <a:lstStyle/>
-          <a:p>
-            <a:r>
-              <a:rPr lang="en-US" dirty="0"/>
-              <a:t>Virtualization</a:t>
-            </a:r>
-          </a:p>
-        </p:txBody>
-      </p:sp>
-      <p:sp>
-        <p:nvSpPr>
-          <p:cNvPr id="5" name="Content Placeholder 4">
-            <a:extLst>
-              <a:ext uri="{FF2B5EF4-FFF2-40B4-BE49-F238E27FC236}">
-                <a16:creationId xmlns:a16="http://schemas.microsoft.com/office/drawing/2014/main" id="{BBE7C797-9F5B-A597-6D54-FD3265B88D04}"/>
-              </a:ext>
-            </a:extLst>
-          </p:cNvPr>
-          <p:cNvSpPr>
-            <a:spLocks noGrp="1"/>
-          </p:cNvSpPr>
-          <p:nvPr>
-            <p:ph idx="1"/>
-          </p:nvPr>
-        </p:nvSpPr>
-        <p:spPr/>
-        <p:txBody>
-          <a:bodyPr/>
-          <a:lstStyle/>
-          <a:p>
-            <a:r>
-              <a:rPr lang="en-US" dirty="0"/>
-              <a:t>Modern CPUs have support for virtualization</a:t>
-            </a:r>
-          </a:p>
-          <a:p>
-            <a:r>
-              <a:rPr lang="en-US" dirty="0"/>
-              <a:t>CP/CMS</a:t>
-            </a:r>
-          </a:p>
-          <a:p>
-            <a:r>
-              <a:rPr lang="en-US" dirty="0"/>
-              <a:t>Parallels on Mac and Windows</a:t>
-            </a:r>
-          </a:p>
-          <a:p>
-            <a:r>
-              <a:rPr lang="en-US" dirty="0" err="1"/>
-              <a:t>Vmware</a:t>
-            </a:r>
-            <a:endParaRPr lang="en-US" dirty="0"/>
-          </a:p>
-          <a:p>
-            <a:r>
-              <a:rPr lang="en-US" dirty="0"/>
-              <a:t>Docker</a:t>
-            </a:r>
-          </a:p>
-          <a:p>
-            <a:r>
-              <a:rPr lang="en-US" dirty="0"/>
-              <a:t>VirtualBox (Oracle)</a:t>
-            </a:r>
-          </a:p>
-        </p:txBody>
-      </p:sp>
-    </p:spTree>
-    <p:extLst>
-      <p:ext uri="{BB962C8B-B14F-4D97-AF65-F5344CB8AC3E}">
-        <p14:creationId xmlns:p14="http://schemas.microsoft.com/office/powerpoint/2010/main" val="1529713462"/>
       </p:ext>
     </p:extLst>
   </p:cSld>
